--- a/dapr3_lectures/dapr3_fa_lec/img_sandbox/efa_output.pptx
+++ b/dapr3_lectures/dapr3_fa_lec/img_sandbox/efa_output.pptx
@@ -274,7 +274,7 @@
           <a:p>
             <a:fld id="{2E7CC89D-3142-46AB-8DEE-A39EF376CEDE}" type="datetimeFigureOut">
               <a:rPr lang="en-GB" smtClean="0"/>
-              <a:t>08/11/2024</a:t>
+              <a:t>08/09/2025</a:t>
             </a:fld>
             <a:endParaRPr lang="en-GB"/>
           </a:p>
@@ -474,7 +474,7 @@
           <a:p>
             <a:fld id="{2E7CC89D-3142-46AB-8DEE-A39EF376CEDE}" type="datetimeFigureOut">
               <a:rPr lang="en-GB" smtClean="0"/>
-              <a:t>08/11/2024</a:t>
+              <a:t>08/09/2025</a:t>
             </a:fld>
             <a:endParaRPr lang="en-GB"/>
           </a:p>
@@ -684,7 +684,7 @@
           <a:p>
             <a:fld id="{2E7CC89D-3142-46AB-8DEE-A39EF376CEDE}" type="datetimeFigureOut">
               <a:rPr lang="en-GB" smtClean="0"/>
-              <a:t>08/11/2024</a:t>
+              <a:t>08/09/2025</a:t>
             </a:fld>
             <a:endParaRPr lang="en-GB"/>
           </a:p>
@@ -884,7 +884,7 @@
           <a:p>
             <a:fld id="{2E7CC89D-3142-46AB-8DEE-A39EF376CEDE}" type="datetimeFigureOut">
               <a:rPr lang="en-GB" smtClean="0"/>
-              <a:t>08/11/2024</a:t>
+              <a:t>08/09/2025</a:t>
             </a:fld>
             <a:endParaRPr lang="en-GB"/>
           </a:p>
@@ -1160,7 +1160,7 @@
           <a:p>
             <a:fld id="{2E7CC89D-3142-46AB-8DEE-A39EF376CEDE}" type="datetimeFigureOut">
               <a:rPr lang="en-GB" smtClean="0"/>
-              <a:t>08/11/2024</a:t>
+              <a:t>08/09/2025</a:t>
             </a:fld>
             <a:endParaRPr lang="en-GB"/>
           </a:p>
@@ -1428,7 +1428,7 @@
           <a:p>
             <a:fld id="{2E7CC89D-3142-46AB-8DEE-A39EF376CEDE}" type="datetimeFigureOut">
               <a:rPr lang="en-GB" smtClean="0"/>
-              <a:t>08/11/2024</a:t>
+              <a:t>08/09/2025</a:t>
             </a:fld>
             <a:endParaRPr lang="en-GB"/>
           </a:p>
@@ -1843,7 +1843,7 @@
           <a:p>
             <a:fld id="{2E7CC89D-3142-46AB-8DEE-A39EF376CEDE}" type="datetimeFigureOut">
               <a:rPr lang="en-GB" smtClean="0"/>
-              <a:t>08/11/2024</a:t>
+              <a:t>08/09/2025</a:t>
             </a:fld>
             <a:endParaRPr lang="en-GB"/>
           </a:p>
@@ -1985,7 +1985,7 @@
           <a:p>
             <a:fld id="{2E7CC89D-3142-46AB-8DEE-A39EF376CEDE}" type="datetimeFigureOut">
               <a:rPr lang="en-GB" smtClean="0"/>
-              <a:t>08/11/2024</a:t>
+              <a:t>08/09/2025</a:t>
             </a:fld>
             <a:endParaRPr lang="en-GB"/>
           </a:p>
@@ -2098,7 +2098,7 @@
           <a:p>
             <a:fld id="{2E7CC89D-3142-46AB-8DEE-A39EF376CEDE}" type="datetimeFigureOut">
               <a:rPr lang="en-GB" smtClean="0"/>
-              <a:t>08/11/2024</a:t>
+              <a:t>08/09/2025</a:t>
             </a:fld>
             <a:endParaRPr lang="en-GB"/>
           </a:p>
@@ -2411,7 +2411,7 @@
           <a:p>
             <a:fld id="{2E7CC89D-3142-46AB-8DEE-A39EF376CEDE}" type="datetimeFigureOut">
               <a:rPr lang="en-GB" smtClean="0"/>
-              <a:t>08/11/2024</a:t>
+              <a:t>08/09/2025</a:t>
             </a:fld>
             <a:endParaRPr lang="en-GB"/>
           </a:p>
@@ -2700,7 +2700,7 @@
           <a:p>
             <a:fld id="{2E7CC89D-3142-46AB-8DEE-A39EF376CEDE}" type="datetimeFigureOut">
               <a:rPr lang="en-GB" smtClean="0"/>
-              <a:t>08/11/2024</a:t>
+              <a:t>08/09/2025</a:t>
             </a:fld>
             <a:endParaRPr lang="en-GB"/>
           </a:p>
@@ -2943,7 +2943,7 @@
           <a:p>
             <a:fld id="{2E7CC89D-3142-46AB-8DEE-A39EF376CEDE}" type="datetimeFigureOut">
               <a:rPr lang="en-GB" smtClean="0"/>
-              <a:t>08/11/2024</a:t>
+              <a:t>08/09/2025</a:t>
             </a:fld>
             <a:endParaRPr lang="en-GB"/>
           </a:p>
@@ -3362,10 +3362,10 @@
       </p:grpSpPr>
       <p:pic>
         <p:nvPicPr>
-          <p:cNvPr id="17" name="Picture 16">
-            <a:extLst>
-              <a:ext uri="{FF2B5EF4-FFF2-40B4-BE49-F238E27FC236}">
-                <a16:creationId xmlns:a16="http://schemas.microsoft.com/office/drawing/2014/main" id="{49AEBE11-F163-4D82-B837-3F3B225C7F9E}"/>
+          <p:cNvPr id="8" name="Picture 7">
+            <a:extLst>
+              <a:ext uri="{FF2B5EF4-FFF2-40B4-BE49-F238E27FC236}">
+                <a16:creationId xmlns:a16="http://schemas.microsoft.com/office/drawing/2014/main" id="{5E4EA6D4-3C76-45AA-B620-4AAD603B20CC}"/>
               </a:ext>
             </a:extLst>
           </p:cNvPr>
@@ -3382,8 +3382,8 @@
         </p:blipFill>
         <p:spPr>
           <a:xfrm>
-            <a:off x="2918865" y="432969"/>
-            <a:ext cx="8154538" cy="5992061"/>
+            <a:off x="2906200" y="412481"/>
+            <a:ext cx="8021169" cy="5982535"/>
           </a:xfrm>
           <a:prstGeom prst="rect">
             <a:avLst/>
@@ -3700,10 +3700,10 @@
       </p:grpSpPr>
       <p:pic>
         <p:nvPicPr>
-          <p:cNvPr id="17" name="Picture 16">
-            <a:extLst>
-              <a:ext uri="{FF2B5EF4-FFF2-40B4-BE49-F238E27FC236}">
-                <a16:creationId xmlns:a16="http://schemas.microsoft.com/office/drawing/2014/main" id="{49AEBE11-F163-4D82-B837-3F3B225C7F9E}"/>
+          <p:cNvPr id="9" name="Picture 8">
+            <a:extLst>
+              <a:ext uri="{FF2B5EF4-FFF2-40B4-BE49-F238E27FC236}">
+                <a16:creationId xmlns:a16="http://schemas.microsoft.com/office/drawing/2014/main" id="{1DECC0FC-7029-4470-8738-E28D26276DE4}"/>
               </a:ext>
             </a:extLst>
           </p:cNvPr>
@@ -3720,8 +3720,8 @@
         </p:blipFill>
         <p:spPr>
           <a:xfrm>
-            <a:off x="2918865" y="432969"/>
-            <a:ext cx="8154538" cy="5992061"/>
+            <a:off x="2906200" y="412481"/>
+            <a:ext cx="8021169" cy="5982535"/>
           </a:xfrm>
           <a:prstGeom prst="rect">
             <a:avLst/>
@@ -3920,10 +3920,10 @@
       </p:grpSpPr>
       <p:pic>
         <p:nvPicPr>
-          <p:cNvPr id="4" name="Picture 3">
-            <a:extLst>
-              <a:ext uri="{FF2B5EF4-FFF2-40B4-BE49-F238E27FC236}">
-                <a16:creationId xmlns:a16="http://schemas.microsoft.com/office/drawing/2014/main" id="{FCBACB42-A5B8-420B-BCBA-E5731965D83B}"/>
+          <p:cNvPr id="7" name="Picture 6">
+            <a:extLst>
+              <a:ext uri="{FF2B5EF4-FFF2-40B4-BE49-F238E27FC236}">
+                <a16:creationId xmlns:a16="http://schemas.microsoft.com/office/drawing/2014/main" id="{83A31EEB-7A1A-498D-BD40-14F1B67A41AF}"/>
               </a:ext>
             </a:extLst>
           </p:cNvPr>
@@ -3940,8 +3940,8 @@
         </p:blipFill>
         <p:spPr>
           <a:xfrm>
-            <a:off x="2590474" y="1192157"/>
-            <a:ext cx="9678751" cy="5068007"/>
+            <a:off x="2596030" y="1420740"/>
+            <a:ext cx="9392961" cy="4801270"/>
           </a:xfrm>
           <a:prstGeom prst="rect">
             <a:avLst/>
@@ -5130,10 +5130,10 @@
       </p:grpSpPr>
       <p:pic>
         <p:nvPicPr>
-          <p:cNvPr id="4" name="Picture 3">
-            <a:extLst>
-              <a:ext uri="{FF2B5EF4-FFF2-40B4-BE49-F238E27FC236}">
-                <a16:creationId xmlns:a16="http://schemas.microsoft.com/office/drawing/2014/main" id="{FCBACB42-A5B8-420B-BCBA-E5731965D83B}"/>
+          <p:cNvPr id="17" name="Picture 16">
+            <a:extLst>
+              <a:ext uri="{FF2B5EF4-FFF2-40B4-BE49-F238E27FC236}">
+                <a16:creationId xmlns:a16="http://schemas.microsoft.com/office/drawing/2014/main" id="{467A7CD9-48EE-4E4F-B4B0-91160A26836E}"/>
               </a:ext>
             </a:extLst>
           </p:cNvPr>
@@ -5150,8 +5150,8 @@
         </p:blipFill>
         <p:spPr>
           <a:xfrm>
-            <a:off x="2590474" y="1192157"/>
-            <a:ext cx="9678751" cy="5068007"/>
+            <a:off x="2596030" y="1420740"/>
+            <a:ext cx="9392961" cy="4801270"/>
           </a:xfrm>
           <a:prstGeom prst="rect">
             <a:avLst/>
@@ -5796,10 +5796,10 @@
       </p:grpSpPr>
       <p:pic>
         <p:nvPicPr>
-          <p:cNvPr id="4" name="Picture 3">
-            <a:extLst>
-              <a:ext uri="{FF2B5EF4-FFF2-40B4-BE49-F238E27FC236}">
-                <a16:creationId xmlns:a16="http://schemas.microsoft.com/office/drawing/2014/main" id="{FCBACB42-A5B8-420B-BCBA-E5731965D83B}"/>
+          <p:cNvPr id="13" name="Picture 12">
+            <a:extLst>
+              <a:ext uri="{FF2B5EF4-FFF2-40B4-BE49-F238E27FC236}">
+                <a16:creationId xmlns:a16="http://schemas.microsoft.com/office/drawing/2014/main" id="{D843E825-786E-4B0E-B405-DD8AD9C8E7BE}"/>
               </a:ext>
             </a:extLst>
           </p:cNvPr>
@@ -5816,8 +5816,8 @@
         </p:blipFill>
         <p:spPr>
           <a:xfrm>
-            <a:off x="2590474" y="1192157"/>
-            <a:ext cx="9678751" cy="5068007"/>
+            <a:off x="2596030" y="1420740"/>
+            <a:ext cx="9392961" cy="4801270"/>
           </a:xfrm>
           <a:prstGeom prst="rect">
             <a:avLst/>
@@ -6892,10 +6892,10 @@
       </p:grpSpPr>
       <p:pic>
         <p:nvPicPr>
-          <p:cNvPr id="17" name="Picture 16">
-            <a:extLst>
-              <a:ext uri="{FF2B5EF4-FFF2-40B4-BE49-F238E27FC236}">
-                <a16:creationId xmlns:a16="http://schemas.microsoft.com/office/drawing/2014/main" id="{49AEBE11-F163-4D82-B837-3F3B225C7F9E}"/>
+          <p:cNvPr id="15" name="Picture 14">
+            <a:extLst>
+              <a:ext uri="{FF2B5EF4-FFF2-40B4-BE49-F238E27FC236}">
+                <a16:creationId xmlns:a16="http://schemas.microsoft.com/office/drawing/2014/main" id="{2E526E6A-7A23-4B28-A948-A05CF9D18E4D}"/>
               </a:ext>
             </a:extLst>
           </p:cNvPr>
@@ -6912,8 +6912,8 @@
         </p:blipFill>
         <p:spPr>
           <a:xfrm>
-            <a:off x="2918865" y="432969"/>
-            <a:ext cx="8154538" cy="5992061"/>
+            <a:off x="2906200" y="412481"/>
+            <a:ext cx="8021169" cy="5982535"/>
           </a:xfrm>
           <a:prstGeom prst="rect">
             <a:avLst/>
@@ -7003,7 +7003,7 @@
                   <a:srgbClr val="A41AE4"/>
                 </a:solidFill>
               </a:rPr>
-              <a:t>e.g., -0.59</a:t>
+              <a:t>e.g., -0.60</a:t>
             </a:r>
             <a:r>
               <a:rPr lang="en-GB" sz="1400" b="0" i="0" dirty="0">
@@ -7021,7 +7021,7 @@
                   <a:srgbClr val="A41AE4"/>
                 </a:solidFill>
               </a:rPr>
-              <a:t> = 0.35</a:t>
+              <a:t> = 0.36</a:t>
             </a:r>
           </a:p>
           <a:p>
@@ -7031,7 +7031,7 @@
                   <a:srgbClr val="A41AE4"/>
                 </a:solidFill>
               </a:rPr>
-              <a:t>35% of the variance in item 1 is explained by Factor 2</a:t>
+              <a:t>36% of the variance in item 1 is explained by Factor 1</a:t>
             </a:r>
           </a:p>
         </p:txBody>
@@ -7658,10 +7658,10 @@
       </p:grpSpPr>
       <p:pic>
         <p:nvPicPr>
-          <p:cNvPr id="17" name="Picture 16">
-            <a:extLst>
-              <a:ext uri="{FF2B5EF4-FFF2-40B4-BE49-F238E27FC236}">
-                <a16:creationId xmlns:a16="http://schemas.microsoft.com/office/drawing/2014/main" id="{49AEBE11-F163-4D82-B837-3F3B225C7F9E}"/>
+          <p:cNvPr id="9" name="Picture 8">
+            <a:extLst>
+              <a:ext uri="{FF2B5EF4-FFF2-40B4-BE49-F238E27FC236}">
+                <a16:creationId xmlns:a16="http://schemas.microsoft.com/office/drawing/2014/main" id="{12E4B26C-220F-4ABD-A510-FB909461261E}"/>
               </a:ext>
             </a:extLst>
           </p:cNvPr>
@@ -7678,8 +7678,8 @@
         </p:blipFill>
         <p:spPr>
           <a:xfrm>
-            <a:off x="2918865" y="432969"/>
-            <a:ext cx="8154538" cy="5992061"/>
+            <a:off x="2906200" y="412481"/>
+            <a:ext cx="8021169" cy="5982535"/>
           </a:xfrm>
           <a:prstGeom prst="rect">
             <a:avLst/>
@@ -7828,7 +7828,7 @@
                   <a:srgbClr val="A41AE4"/>
                 </a:solidFill>
               </a:rPr>
-              <a:t>e.g., -0.11</a:t>
+              <a:t>e.g., -0.03</a:t>
             </a:r>
             <a:r>
               <a:rPr lang="en-GB" sz="1400" b="0" i="0" dirty="0">
@@ -7838,7 +7838,7 @@
                 <a:effectLst/>
                 <a:latin typeface="-apple-system"/>
               </a:rPr>
-              <a:t>² + </a:t>
+              <a:t>² + -</a:t>
             </a:r>
             <a:r>
               <a:rPr lang="en-GB" sz="1400" dirty="0">
@@ -7846,7 +7846,7 @@
                   <a:srgbClr val="A41AE4"/>
                 </a:solidFill>
               </a:rPr>
-              <a:t>0.61</a:t>
+              <a:t>0.55</a:t>
             </a:r>
             <a:r>
               <a:rPr lang="en-GB" sz="1400" b="0" i="0" dirty="0">
@@ -7880,7 +7880,7 @@
                   <a:srgbClr val="A41AE4"/>
                 </a:solidFill>
               </a:rPr>
-              <a:t> 0.37</a:t>
+              <a:t> 0.30</a:t>
             </a:r>
           </a:p>
           <a:p>
@@ -7890,7 +7890,7 @@
                   <a:srgbClr val="A41AE4"/>
                 </a:solidFill>
               </a:rPr>
-              <a:t>37% of the variance in item 4 is explained by this 2 Factor solution</a:t>
+              <a:t>30% of the variance in item 6 is explained by this 2 Factor solution</a:t>
             </a:r>
           </a:p>
         </p:txBody>
@@ -8048,10 +8048,10 @@
       </p:grpSpPr>
       <p:pic>
         <p:nvPicPr>
-          <p:cNvPr id="17" name="Picture 16">
-            <a:extLst>
-              <a:ext uri="{FF2B5EF4-FFF2-40B4-BE49-F238E27FC236}">
-                <a16:creationId xmlns:a16="http://schemas.microsoft.com/office/drawing/2014/main" id="{49AEBE11-F163-4D82-B837-3F3B225C7F9E}"/>
+          <p:cNvPr id="10" name="Picture 9">
+            <a:extLst>
+              <a:ext uri="{FF2B5EF4-FFF2-40B4-BE49-F238E27FC236}">
+                <a16:creationId xmlns:a16="http://schemas.microsoft.com/office/drawing/2014/main" id="{B3F4931C-F9FB-440B-B1BA-4D66E0860170}"/>
               </a:ext>
             </a:extLst>
           </p:cNvPr>
@@ -8068,8 +8068,8 @@
         </p:blipFill>
         <p:spPr>
           <a:xfrm>
-            <a:off x="2918865" y="432969"/>
-            <a:ext cx="8154538" cy="5992061"/>
+            <a:off x="2906200" y="412481"/>
+            <a:ext cx="8021169" cy="5982535"/>
           </a:xfrm>
           <a:prstGeom prst="rect">
             <a:avLst/>
@@ -8136,7 +8136,7 @@
                   <a:srgbClr val="A41AE4"/>
                 </a:solidFill>
               </a:rPr>
-              <a:t>e.g., 1 - 0.37 = 0.63</a:t>
+              <a:t>e.g., 1 - 0.30 = 0.70</a:t>
             </a:r>
           </a:p>
           <a:p>
@@ -8146,7 +8146,7 @@
                   <a:srgbClr val="A41AE4"/>
                 </a:solidFill>
               </a:rPr>
-              <a:t>63% of the variance in item 4 is left unexplained</a:t>
+              <a:t>70% of the variance in item 6 is left unexplained</a:t>
             </a:r>
           </a:p>
         </p:txBody>
@@ -8304,10 +8304,10 @@
       </p:grpSpPr>
       <p:pic>
         <p:nvPicPr>
-          <p:cNvPr id="17" name="Picture 16">
-            <a:extLst>
-              <a:ext uri="{FF2B5EF4-FFF2-40B4-BE49-F238E27FC236}">
-                <a16:creationId xmlns:a16="http://schemas.microsoft.com/office/drawing/2014/main" id="{49AEBE11-F163-4D82-B837-3F3B225C7F9E}"/>
+          <p:cNvPr id="9" name="Picture 8">
+            <a:extLst>
+              <a:ext uri="{FF2B5EF4-FFF2-40B4-BE49-F238E27FC236}">
+                <a16:creationId xmlns:a16="http://schemas.microsoft.com/office/drawing/2014/main" id="{148C49B8-33C3-4F52-BF2E-4C511E028175}"/>
               </a:ext>
             </a:extLst>
           </p:cNvPr>
@@ -8324,8 +8324,8 @@
         </p:blipFill>
         <p:spPr>
           <a:xfrm>
-            <a:off x="2918865" y="432969"/>
-            <a:ext cx="8154538" cy="5992061"/>
+            <a:off x="2906200" y="412481"/>
+            <a:ext cx="8021169" cy="5982535"/>
           </a:xfrm>
           <a:prstGeom prst="rect">
             <a:avLst/>
@@ -8539,10 +8539,10 @@
       </p:grpSpPr>
       <p:pic>
         <p:nvPicPr>
-          <p:cNvPr id="17" name="Picture 16">
-            <a:extLst>
-              <a:ext uri="{FF2B5EF4-FFF2-40B4-BE49-F238E27FC236}">
-                <a16:creationId xmlns:a16="http://schemas.microsoft.com/office/drawing/2014/main" id="{49AEBE11-F163-4D82-B837-3F3B225C7F9E}"/>
+          <p:cNvPr id="11" name="Picture 10">
+            <a:extLst>
+              <a:ext uri="{FF2B5EF4-FFF2-40B4-BE49-F238E27FC236}">
+                <a16:creationId xmlns:a16="http://schemas.microsoft.com/office/drawing/2014/main" id="{A71ABA2F-69E9-4566-B57A-9652F0B275D8}"/>
               </a:ext>
             </a:extLst>
           </p:cNvPr>
@@ -8559,8 +8559,8 @@
         </p:blipFill>
         <p:spPr>
           <a:xfrm>
-            <a:off x="2918865" y="432969"/>
-            <a:ext cx="8154538" cy="5992061"/>
+            <a:off x="2906200" y="412481"/>
+            <a:ext cx="8021169" cy="5982535"/>
           </a:xfrm>
           <a:prstGeom prst="rect">
             <a:avLst/>
@@ -8872,10 +8872,10 @@
       </p:grpSpPr>
       <p:pic>
         <p:nvPicPr>
-          <p:cNvPr id="17" name="Picture 16">
-            <a:extLst>
-              <a:ext uri="{FF2B5EF4-FFF2-40B4-BE49-F238E27FC236}">
-                <a16:creationId xmlns:a16="http://schemas.microsoft.com/office/drawing/2014/main" id="{49AEBE11-F163-4D82-B837-3F3B225C7F9E}"/>
+          <p:cNvPr id="8" name="Picture 7">
+            <a:extLst>
+              <a:ext uri="{FF2B5EF4-FFF2-40B4-BE49-F238E27FC236}">
+                <a16:creationId xmlns:a16="http://schemas.microsoft.com/office/drawing/2014/main" id="{3770CDBE-8198-4526-B184-889BAED407B7}"/>
               </a:ext>
             </a:extLst>
           </p:cNvPr>
@@ -8892,8 +8892,8 @@
         </p:blipFill>
         <p:spPr>
           <a:xfrm>
-            <a:off x="2918865" y="432969"/>
-            <a:ext cx="8154538" cy="5992061"/>
+            <a:off x="2906200" y="412481"/>
+            <a:ext cx="8021169" cy="5982535"/>
           </a:xfrm>
           <a:prstGeom prst="rect">
             <a:avLst/>
@@ -8944,7 +8944,7 @@
                   <a:srgbClr val="A41AE4"/>
                 </a:solidFill>
               </a:rPr>
-              <a:t>e.g., 2.45/9 = 0.27</a:t>
+              <a:t>e.g., 1.73/9 = 0.19</a:t>
             </a:r>
           </a:p>
           <a:p>
@@ -8954,7 +8954,7 @@
                   <a:srgbClr val="A41AE4"/>
                 </a:solidFill>
               </a:rPr>
-              <a:t>27% of the variance is explained by Factor 1</a:t>
+              <a:t>19% of the variance is explained by Factor 1</a:t>
             </a:r>
           </a:p>
         </p:txBody>
@@ -9112,10 +9112,10 @@
       </p:grpSpPr>
       <p:pic>
         <p:nvPicPr>
-          <p:cNvPr id="17" name="Picture 16">
-            <a:extLst>
-              <a:ext uri="{FF2B5EF4-FFF2-40B4-BE49-F238E27FC236}">
-                <a16:creationId xmlns:a16="http://schemas.microsoft.com/office/drawing/2014/main" id="{49AEBE11-F163-4D82-B837-3F3B225C7F9E}"/>
+          <p:cNvPr id="8" name="Picture 7">
+            <a:extLst>
+              <a:ext uri="{FF2B5EF4-FFF2-40B4-BE49-F238E27FC236}">
+                <a16:creationId xmlns:a16="http://schemas.microsoft.com/office/drawing/2014/main" id="{4B7817CB-8BEB-497F-8C9F-3F28FA94A02E}"/>
               </a:ext>
             </a:extLst>
           </p:cNvPr>
@@ -9132,8 +9132,8 @@
         </p:blipFill>
         <p:spPr>
           <a:xfrm>
-            <a:off x="2918865" y="432969"/>
-            <a:ext cx="8154538" cy="5992061"/>
+            <a:off x="2906200" y="412481"/>
+            <a:ext cx="8021169" cy="5982535"/>
           </a:xfrm>
           <a:prstGeom prst="rect">
             <a:avLst/>
@@ -9184,7 +9184,7 @@
                   <a:srgbClr val="A41AE4"/>
                 </a:solidFill>
               </a:rPr>
-              <a:t>e.g., 0.27+0.22 = 0.49</a:t>
+              <a:t>e.g., 0.19+0.14 = 0.33</a:t>
             </a:r>
           </a:p>
         </p:txBody>
@@ -9342,10 +9342,10 @@
       </p:grpSpPr>
       <p:pic>
         <p:nvPicPr>
-          <p:cNvPr id="17" name="Picture 16">
-            <a:extLst>
-              <a:ext uri="{FF2B5EF4-FFF2-40B4-BE49-F238E27FC236}">
-                <a16:creationId xmlns:a16="http://schemas.microsoft.com/office/drawing/2014/main" id="{49AEBE11-F163-4D82-B837-3F3B225C7F9E}"/>
+          <p:cNvPr id="8" name="Picture 7">
+            <a:extLst>
+              <a:ext uri="{FF2B5EF4-FFF2-40B4-BE49-F238E27FC236}">
+                <a16:creationId xmlns:a16="http://schemas.microsoft.com/office/drawing/2014/main" id="{8F00BBA9-B735-4D99-AF46-7911E29D27D1}"/>
               </a:ext>
             </a:extLst>
           </p:cNvPr>
@@ -9362,8 +9362,8 @@
         </p:blipFill>
         <p:spPr>
           <a:xfrm>
-            <a:off x="2918865" y="432969"/>
-            <a:ext cx="8154538" cy="5992061"/>
+            <a:off x="2906200" y="412481"/>
+            <a:ext cx="8021169" cy="5982535"/>
           </a:xfrm>
           <a:prstGeom prst="rect">
             <a:avLst/>
@@ -9414,7 +9414,7 @@
                   <a:srgbClr val="A41AE4"/>
                 </a:solidFill>
               </a:rPr>
-              <a:t>e.g., 0.27/0.49 = 0.55</a:t>
+              <a:t>e.g., 0.19/0.33 = 0.57</a:t>
             </a:r>
           </a:p>
           <a:p>
